--- a/期末報告/B10630327吳芷昀.pptx
+++ b/期末報告/B10630327吳芷昀.pptx
@@ -6,9 +6,11 @@
   </p:sldMasterIdLst>
   <p:sldIdLst>
     <p:sldId id="256" r:id="rId2"/>
-    <p:sldId id="257" r:id="rId3"/>
-    <p:sldId id="258" r:id="rId4"/>
-    <p:sldId id="259" r:id="rId5"/>
+    <p:sldId id="260" r:id="rId3"/>
+    <p:sldId id="257" r:id="rId4"/>
+    <p:sldId id="261" r:id="rId5"/>
+    <p:sldId id="258" r:id="rId6"/>
+    <p:sldId id="259" r:id="rId7"/>
   </p:sldIdLst>
   <p:sldSz cx="12192000" cy="6858000"/>
   <p:notesSz cx="6858000" cy="9144000"/>
@@ -107,6 +109,11 @@
       </a:defRPr>
     </a:lvl9pPr>
   </p:defaultTextStyle>
+  <p:extLst>
+    <p:ext uri="{EFAFB233-063F-42B5-8137-9DF3F51BA10A}">
+      <p15:sldGuideLst xmlns:p15="http://schemas.microsoft.com/office/powerpoint/2012/main"/>
+    </p:ext>
+  </p:extLst>
 </p:presentation>
 </file>
 
@@ -247,7 +254,7 @@
           <a:p>
             <a:fld id="{D6B4670A-DA24-4CE0-9044-BD9F40680915}" type="datetimeFigureOut">
               <a:rPr lang="zh-TW" altLang="en-US" smtClean="0"/>
-              <a:t>2020/1/5</a:t>
+              <a:t>2020/1/7</a:t>
             </a:fld>
             <a:endParaRPr lang="zh-TW" altLang="en-US"/>
           </a:p>
@@ -417,7 +424,7 @@
           <a:p>
             <a:fld id="{D6B4670A-DA24-4CE0-9044-BD9F40680915}" type="datetimeFigureOut">
               <a:rPr lang="zh-TW" altLang="en-US" smtClean="0"/>
-              <a:t>2020/1/5</a:t>
+              <a:t>2020/1/7</a:t>
             </a:fld>
             <a:endParaRPr lang="zh-TW" altLang="en-US"/>
           </a:p>
@@ -597,7 +604,7 @@
           <a:p>
             <a:fld id="{D6B4670A-DA24-4CE0-9044-BD9F40680915}" type="datetimeFigureOut">
               <a:rPr lang="zh-TW" altLang="en-US" smtClean="0"/>
-              <a:t>2020/1/5</a:t>
+              <a:t>2020/1/7</a:t>
             </a:fld>
             <a:endParaRPr lang="zh-TW" altLang="en-US"/>
           </a:p>
@@ -798,7 +805,7 @@
           <a:p>
             <a:fld id="{D6B4670A-DA24-4CE0-9044-BD9F40680915}" type="datetimeFigureOut">
               <a:rPr lang="zh-TW" altLang="en-US" smtClean="0"/>
-              <a:t>2020/1/5</a:t>
+              <a:t>2020/1/7</a:t>
             </a:fld>
             <a:endParaRPr lang="zh-TW" altLang="en-US"/>
           </a:p>
@@ -1044,7 +1051,7 @@
           <a:p>
             <a:fld id="{D6B4670A-DA24-4CE0-9044-BD9F40680915}" type="datetimeFigureOut">
               <a:rPr lang="zh-TW" altLang="en-US" smtClean="0"/>
-              <a:t>2020/1/5</a:t>
+              <a:t>2020/1/7</a:t>
             </a:fld>
             <a:endParaRPr lang="zh-TW" altLang="en-US"/>
           </a:p>
@@ -1276,7 +1283,7 @@
           <a:p>
             <a:fld id="{D6B4670A-DA24-4CE0-9044-BD9F40680915}" type="datetimeFigureOut">
               <a:rPr lang="zh-TW" altLang="en-US" smtClean="0"/>
-              <a:t>2020/1/5</a:t>
+              <a:t>2020/1/7</a:t>
             </a:fld>
             <a:endParaRPr lang="zh-TW" altLang="en-US"/>
           </a:p>
@@ -1643,7 +1650,7 @@
           <a:p>
             <a:fld id="{D6B4670A-DA24-4CE0-9044-BD9F40680915}" type="datetimeFigureOut">
               <a:rPr lang="zh-TW" altLang="en-US" smtClean="0"/>
-              <a:t>2020/1/5</a:t>
+              <a:t>2020/1/7</a:t>
             </a:fld>
             <a:endParaRPr lang="zh-TW" altLang="en-US"/>
           </a:p>
@@ -1761,7 +1768,7 @@
           <a:p>
             <a:fld id="{D6B4670A-DA24-4CE0-9044-BD9F40680915}" type="datetimeFigureOut">
               <a:rPr lang="zh-TW" altLang="en-US" smtClean="0"/>
-              <a:t>2020/1/5</a:t>
+              <a:t>2020/1/7</a:t>
             </a:fld>
             <a:endParaRPr lang="zh-TW" altLang="en-US"/>
           </a:p>
@@ -1856,7 +1863,7 @@
           <a:p>
             <a:fld id="{D6B4670A-DA24-4CE0-9044-BD9F40680915}" type="datetimeFigureOut">
               <a:rPr lang="zh-TW" altLang="en-US" smtClean="0"/>
-              <a:t>2020/1/5</a:t>
+              <a:t>2020/1/7</a:t>
             </a:fld>
             <a:endParaRPr lang="zh-TW" altLang="en-US"/>
           </a:p>
@@ -2133,7 +2140,7 @@
           <a:p>
             <a:fld id="{D6B4670A-DA24-4CE0-9044-BD9F40680915}" type="datetimeFigureOut">
               <a:rPr lang="zh-TW" altLang="en-US" smtClean="0"/>
-              <a:t>2020/1/5</a:t>
+              <a:t>2020/1/7</a:t>
             </a:fld>
             <a:endParaRPr lang="zh-TW" altLang="en-US"/>
           </a:p>
@@ -2390,7 +2397,7 @@
           <a:p>
             <a:fld id="{D6B4670A-DA24-4CE0-9044-BD9F40680915}" type="datetimeFigureOut">
               <a:rPr lang="zh-TW" altLang="en-US" smtClean="0"/>
-              <a:t>2020/1/5</a:t>
+              <a:t>2020/1/7</a:t>
             </a:fld>
             <a:endParaRPr lang="zh-TW" altLang="en-US"/>
           </a:p>
@@ -2603,7 +2610,7 @@
           <a:p>
             <a:fld id="{D6B4670A-DA24-4CE0-9044-BD9F40680915}" type="datetimeFigureOut">
               <a:rPr lang="zh-TW" altLang="en-US" smtClean="0"/>
-              <a:t>2020/1/5</a:t>
+              <a:t>2020/1/7</a:t>
             </a:fld>
             <a:endParaRPr lang="zh-TW" altLang="en-US"/>
           </a:p>
@@ -3039,8 +3046,12 @@
               <a:rPr lang="en-US" altLang="zh-TW" dirty="0"/>
             </a:br>
             <a:r>
+              <a:rPr lang="en-US" altLang="zh-TW" dirty="0" err="1"/>
+              <a:t>HitBrick</a:t>
+            </a:r>
+            <a:r>
               <a:rPr lang="en-US" altLang="zh-TW" dirty="0"/>
-              <a:t>HitBrick Game</a:t>
+              <a:t> Game</a:t>
             </a:r>
             <a:endParaRPr lang="zh-TW" altLang="en-US" dirty="0"/>
           </a:p>
@@ -3126,6 +3137,223 @@
           <p:cNvPr id="2" name="標題 1">
             <a:extLst>
               <a:ext uri="{FF2B5EF4-FFF2-40B4-BE49-F238E27FC236}">
+                <a16:creationId xmlns:a16="http://schemas.microsoft.com/office/drawing/2014/main" id="{50FEE593-8876-402E-B9A0-918659B5EFDC}"/>
+              </a:ext>
+            </a:extLst>
+          </p:cNvPr>
+          <p:cNvSpPr>
+            <a:spLocks noGrp="1"/>
+          </p:cNvSpPr>
+          <p:nvPr>
+            <p:ph type="title"/>
+          </p:nvPr>
+        </p:nvSpPr>
+        <p:spPr/>
+        <p:txBody>
+          <a:bodyPr/>
+          <a:lstStyle/>
+          <a:p>
+            <a:r>
+              <a:rPr lang="en-US" altLang="zh-TW" dirty="0" err="1"/>
+              <a:t>HitBrick</a:t>
+            </a:r>
+            <a:r>
+              <a:rPr lang="en-US" altLang="zh-TW" dirty="0"/>
+              <a:t> Interface</a:t>
+            </a:r>
+            <a:endParaRPr lang="zh-TW" altLang="en-US" dirty="0"/>
+          </a:p>
+        </p:txBody>
+      </p:sp>
+      <p:pic>
+        <p:nvPicPr>
+          <p:cNvPr id="5" name="內容版面配置區 4">
+            <a:extLst>
+              <a:ext uri="{FF2B5EF4-FFF2-40B4-BE49-F238E27FC236}">
+                <a16:creationId xmlns:a16="http://schemas.microsoft.com/office/drawing/2014/main" id="{EF9E23EB-682E-4C17-85F5-393BA5474D29}"/>
+              </a:ext>
+            </a:extLst>
+          </p:cNvPr>
+          <p:cNvPicPr>
+            <a:picLocks noGrp="1" noChangeAspect="1"/>
+          </p:cNvPicPr>
+          <p:nvPr>
+            <p:ph idx="1"/>
+          </p:nvPr>
+        </p:nvPicPr>
+        <p:blipFill>
+          <a:blip r:embed="rId2">
+            <a:extLst>
+              <a:ext uri="{28A0092B-C50C-407E-A947-70E740481C1C}">
+                <a14:useLocalDpi xmlns:a14="http://schemas.microsoft.com/office/drawing/2010/main" val="0"/>
+              </a:ext>
+            </a:extLst>
+          </a:blip>
+          <a:stretch>
+            <a:fillRect/>
+          </a:stretch>
+        </p:blipFill>
+        <p:spPr>
+          <a:xfrm>
+            <a:off x="6486967" y="232479"/>
+            <a:ext cx="4866833" cy="6393041"/>
+          </a:xfrm>
+          <a:ln>
+            <a:solidFill>
+              <a:schemeClr val="tx1"/>
+            </a:solidFill>
+          </a:ln>
+        </p:spPr>
+      </p:pic>
+      <p:sp>
+        <p:nvSpPr>
+          <p:cNvPr id="6" name="文字方塊 5">
+            <a:extLst>
+              <a:ext uri="{FF2B5EF4-FFF2-40B4-BE49-F238E27FC236}">
+                <a16:creationId xmlns:a16="http://schemas.microsoft.com/office/drawing/2014/main" id="{C05E6AB2-AF00-47F1-97DC-3D9C2D89FED1}"/>
+              </a:ext>
+            </a:extLst>
+          </p:cNvPr>
+          <p:cNvSpPr txBox="1"/>
+          <p:nvPr/>
+        </p:nvSpPr>
+        <p:spPr>
+          <a:xfrm>
+            <a:off x="838200" y="1690688"/>
+            <a:ext cx="3456395" cy="2677656"/>
+          </a:xfrm>
+          <a:prstGeom prst="rect">
+            <a:avLst/>
+          </a:prstGeom>
+          <a:noFill/>
+        </p:spPr>
+        <p:txBody>
+          <a:bodyPr wrap="none" rtlCol="0">
+            <a:spAutoFit/>
+          </a:bodyPr>
+          <a:lstStyle/>
+          <a:p>
+            <a:pPr marL="514350" indent="-514350">
+              <a:buFont typeface="+mj-lt"/>
+              <a:buAutoNum type="arabicPeriod"/>
+            </a:pPr>
+            <a:r>
+              <a:rPr lang="en-US" altLang="zh-TW" sz="2800" dirty="0">
+                <a:latin typeface="微软雅黑 Light" panose="020B0502040204020203" pitchFamily="34" charset="-122"/>
+                <a:ea typeface="微软雅黑 Light" panose="020B0502040204020203" pitchFamily="34" charset="-122"/>
+              </a:rPr>
+              <a:t>Start</a:t>
+            </a:r>
+          </a:p>
+          <a:p>
+            <a:pPr marL="514350" indent="-514350">
+              <a:buFont typeface="+mj-lt"/>
+              <a:buAutoNum type="arabicPeriod"/>
+            </a:pPr>
+            <a:r>
+              <a:rPr lang="en-US" altLang="zh-TW" sz="2800" dirty="0">
+                <a:latin typeface="微软雅黑 Light" panose="020B0502040204020203" pitchFamily="34" charset="-122"/>
+                <a:ea typeface="微软雅黑 Light" panose="020B0502040204020203" pitchFamily="34" charset="-122"/>
+              </a:rPr>
+              <a:t>Stop</a:t>
+            </a:r>
+          </a:p>
+          <a:p>
+            <a:pPr marL="514350" indent="-514350">
+              <a:buFont typeface="+mj-lt"/>
+              <a:buAutoNum type="arabicPeriod"/>
+            </a:pPr>
+            <a:r>
+              <a:rPr lang="en-US" altLang="zh-TW" sz="2800" dirty="0" err="1">
+                <a:latin typeface="微软雅黑 Light" panose="020B0502040204020203" pitchFamily="34" charset="-122"/>
+                <a:ea typeface="微软雅黑 Light" panose="020B0502040204020203" pitchFamily="34" charset="-122"/>
+              </a:rPr>
+              <a:t>GameOver</a:t>
+            </a:r>
+            <a:r>
+              <a:rPr lang="en-US" altLang="zh-TW" sz="2800" dirty="0">
+                <a:latin typeface="微软雅黑 Light" panose="020B0502040204020203" pitchFamily="34" charset="-122"/>
+                <a:ea typeface="微软雅黑 Light" panose="020B0502040204020203" pitchFamily="34" charset="-122"/>
+              </a:rPr>
+              <a:t> / Win</a:t>
+            </a:r>
+            <a:br>
+              <a:rPr lang="en-US" altLang="zh-TW" sz="2800" dirty="0">
+                <a:latin typeface="微软雅黑 Light" panose="020B0502040204020203" pitchFamily="34" charset="-122"/>
+                <a:ea typeface="微软雅黑 Light" panose="020B0502040204020203" pitchFamily="34" charset="-122"/>
+              </a:rPr>
+            </a:br>
+            <a:r>
+              <a:rPr lang="en-US" altLang="zh-TW" sz="2800" dirty="0">
+                <a:latin typeface="微软雅黑 Light" panose="020B0502040204020203" pitchFamily="34" charset="-122"/>
+                <a:ea typeface="微软雅黑 Light" panose="020B0502040204020203" pitchFamily="34" charset="-122"/>
+              </a:rPr>
+              <a:t>-&gt;Save Score</a:t>
+            </a:r>
+          </a:p>
+          <a:p>
+            <a:pPr marL="514350" indent="-514350">
+              <a:buFont typeface="+mj-lt"/>
+              <a:buAutoNum type="arabicPeriod"/>
+            </a:pPr>
+            <a:r>
+              <a:rPr lang="en-US" altLang="zh-TW" sz="2800" dirty="0">
+                <a:latin typeface="微软雅黑 Light" panose="020B0502040204020203" pitchFamily="34" charset="-122"/>
+                <a:ea typeface="微软雅黑 Light" panose="020B0502040204020203" pitchFamily="34" charset="-122"/>
+              </a:rPr>
+              <a:t>Rank</a:t>
+            </a:r>
+          </a:p>
+          <a:p>
+            <a:pPr marL="514350" indent="-514350">
+              <a:buFont typeface="+mj-lt"/>
+              <a:buAutoNum type="arabicPeriod"/>
+            </a:pPr>
+            <a:r>
+              <a:rPr lang="en-US" altLang="zh-TW" sz="2800" dirty="0">
+                <a:latin typeface="微软雅黑 Light" panose="020B0502040204020203" pitchFamily="34" charset="-122"/>
+                <a:ea typeface="微软雅黑 Light" panose="020B0502040204020203" pitchFamily="34" charset="-122"/>
+              </a:rPr>
+              <a:t>Restart</a:t>
+            </a:r>
+          </a:p>
+        </p:txBody>
+      </p:sp>
+    </p:spTree>
+    <p:extLst>
+      <p:ext uri="{BB962C8B-B14F-4D97-AF65-F5344CB8AC3E}">
+        <p14:creationId xmlns:p14="http://schemas.microsoft.com/office/powerpoint/2010/main" val="1900013760"/>
+      </p:ext>
+    </p:extLst>
+  </p:cSld>
+  <p:clrMapOvr>
+    <a:masterClrMapping/>
+  </p:clrMapOvr>
+</p:sld>
+</file>
+
+<file path=ppt/slides/slide3.xml><?xml version="1.0" encoding="utf-8"?>
+<p:sld xmlns:a="http://schemas.openxmlformats.org/drawingml/2006/main" xmlns:r="http://schemas.openxmlformats.org/officeDocument/2006/relationships" xmlns:p="http://schemas.openxmlformats.org/presentationml/2006/main">
+  <p:cSld>
+    <p:spTree>
+      <p:nvGrpSpPr>
+        <p:cNvPr id="1" name=""/>
+        <p:cNvGrpSpPr/>
+        <p:nvPr/>
+      </p:nvGrpSpPr>
+      <p:grpSpPr>
+        <a:xfrm>
+          <a:off x="0" y="0"/>
+          <a:ext cx="0" cy="0"/>
+          <a:chOff x="0" y="0"/>
+          <a:chExt cx="0" cy="0"/>
+        </a:xfrm>
+      </p:grpSpPr>
+      <p:sp>
+        <p:nvSpPr>
+          <p:cNvPr id="2" name="標題 1">
+            <a:extLst>
+              <a:ext uri="{FF2B5EF4-FFF2-40B4-BE49-F238E27FC236}">
                 <a16:creationId xmlns:a16="http://schemas.microsoft.com/office/drawing/2014/main" id="{DF32CB77-0D16-4E0D-A93F-D55DCB6059D5}"/>
               </a:ext>
             </a:extLst>
@@ -3144,7 +3372,7 @@
           <a:p>
             <a:r>
               <a:rPr lang="en-US" altLang="zh-TW" dirty="0"/>
-              <a:t>Structure Diagram</a:t>
+              <a:t>Structure Diagram - Client</a:t>
             </a:r>
             <a:endParaRPr lang="zh-TW" altLang="en-US" dirty="0"/>
           </a:p>
@@ -3234,168 +3462,6 @@
 </p:sld>
 </file>
 
-<file path=ppt/slides/slide3.xml><?xml version="1.0" encoding="utf-8"?>
-<p:sld xmlns:a="http://schemas.openxmlformats.org/drawingml/2006/main" xmlns:r="http://schemas.openxmlformats.org/officeDocument/2006/relationships" xmlns:p="http://schemas.openxmlformats.org/presentationml/2006/main">
-  <p:cSld>
-    <p:spTree>
-      <p:nvGrpSpPr>
-        <p:cNvPr id="1" name=""/>
-        <p:cNvGrpSpPr/>
-        <p:nvPr/>
-      </p:nvGrpSpPr>
-      <p:grpSpPr>
-        <a:xfrm>
-          <a:off x="0" y="0"/>
-          <a:ext cx="0" cy="0"/>
-          <a:chOff x="0" y="0"/>
-          <a:chExt cx="0" cy="0"/>
-        </a:xfrm>
-      </p:grpSpPr>
-      <p:sp>
-        <p:nvSpPr>
-          <p:cNvPr id="2" name="標題 1">
-            <a:extLst>
-              <a:ext uri="{FF2B5EF4-FFF2-40B4-BE49-F238E27FC236}">
-                <a16:creationId xmlns:a16="http://schemas.microsoft.com/office/drawing/2014/main" id="{3DB228A1-328D-4C9D-9BFF-6C3D6EB7D251}"/>
-              </a:ext>
-            </a:extLst>
-          </p:cNvPr>
-          <p:cNvSpPr>
-            <a:spLocks noGrp="1"/>
-          </p:cNvSpPr>
-          <p:nvPr>
-            <p:ph type="title"/>
-          </p:nvPr>
-        </p:nvSpPr>
-        <p:spPr/>
-        <p:txBody>
-          <a:bodyPr/>
-          <a:lstStyle/>
-          <a:p>
-            <a:r>
-              <a:rPr lang="en-US" altLang="zh-TW" dirty="0"/>
-              <a:t>Used</a:t>
-            </a:r>
-            <a:endParaRPr lang="zh-TW" altLang="en-US" dirty="0"/>
-          </a:p>
-        </p:txBody>
-      </p:sp>
-      <p:sp>
-        <p:nvSpPr>
-          <p:cNvPr id="3" name="內容版面配置區 2">
-            <a:extLst>
-              <a:ext uri="{FF2B5EF4-FFF2-40B4-BE49-F238E27FC236}">
-                <a16:creationId xmlns:a16="http://schemas.microsoft.com/office/drawing/2014/main" id="{71EC71BD-014B-40AE-BAB1-643B737B7A7E}"/>
-              </a:ext>
-            </a:extLst>
-          </p:cNvPr>
-          <p:cNvSpPr>
-            <a:spLocks noGrp="1"/>
-          </p:cNvSpPr>
-          <p:nvPr>
-            <p:ph idx="1"/>
-          </p:nvPr>
-        </p:nvSpPr>
-        <p:spPr/>
-        <p:txBody>
-          <a:bodyPr/>
-          <a:lstStyle/>
-          <a:p>
-            <a:r>
-              <a:rPr lang="en-US" altLang="zh-TW" dirty="0" err="1"/>
-              <a:t>JFrame</a:t>
-            </a:r>
-            <a:r>
-              <a:rPr lang="en-US" altLang="zh-TW" dirty="0"/>
-              <a:t>, </a:t>
-            </a:r>
-            <a:r>
-              <a:rPr lang="en-US" altLang="zh-TW" dirty="0" err="1"/>
-              <a:t>Jpanel</a:t>
-            </a:r>
-            <a:r>
-              <a:rPr lang="en-US" altLang="zh-TW" dirty="0"/>
-              <a:t>, </a:t>
-            </a:r>
-            <a:r>
-              <a:rPr lang="en-US" altLang="zh-TW" dirty="0" err="1"/>
-              <a:t>keyListener</a:t>
-            </a:r>
-            <a:endParaRPr lang="en-US" altLang="zh-TW" dirty="0"/>
-          </a:p>
-          <a:p>
-            <a:r>
-              <a:rPr lang="en-US" altLang="zh-TW" dirty="0" err="1"/>
-              <a:t>Enum</a:t>
-            </a:r>
-            <a:r>
-              <a:rPr lang="en-US" altLang="zh-TW" dirty="0"/>
-              <a:t> -&gt;</a:t>
-            </a:r>
-            <a:r>
-              <a:rPr lang="zh-TW" altLang="en-US" dirty="0"/>
-              <a:t> </a:t>
-            </a:r>
-            <a:r>
-              <a:rPr lang="en-US" altLang="zh-TW" dirty="0" err="1"/>
-              <a:t>BallState</a:t>
-            </a:r>
-            <a:endParaRPr lang="en-US" altLang="zh-TW" dirty="0"/>
-          </a:p>
-          <a:p>
-            <a:pPr lvl="1"/>
-            <a:r>
-              <a:rPr lang="en-US" altLang="zh-TW" dirty="0"/>
-              <a:t>Walk, </a:t>
-            </a:r>
-            <a:r>
-              <a:rPr lang="en-US" altLang="zh-TW" dirty="0" err="1"/>
-              <a:t>HitBricks</a:t>
-            </a:r>
-            <a:r>
-              <a:rPr lang="en-US" altLang="zh-TW" dirty="0"/>
-              <a:t>, </a:t>
-            </a:r>
-            <a:r>
-              <a:rPr lang="en-US" altLang="zh-TW" dirty="0" err="1"/>
-              <a:t>HitPlank</a:t>
-            </a:r>
-            <a:endParaRPr lang="en-US" altLang="zh-TW" dirty="0"/>
-          </a:p>
-          <a:p>
-            <a:r>
-              <a:rPr lang="en-US" altLang="zh-TW" dirty="0"/>
-              <a:t>Timer -&gt; Ball</a:t>
-            </a:r>
-          </a:p>
-          <a:p>
-            <a:r>
-              <a:rPr lang="en-US" altLang="zh-TW" dirty="0"/>
-              <a:t>Socket</a:t>
-            </a:r>
-          </a:p>
-          <a:p>
-            <a:r>
-              <a:rPr lang="en-US" altLang="zh-TW" dirty="0"/>
-              <a:t>MongoDB + Robo3t</a:t>
-            </a:r>
-            <a:endParaRPr lang="zh-TW" altLang="en-US" dirty="0"/>
-          </a:p>
-        </p:txBody>
-      </p:sp>
-    </p:spTree>
-    <p:extLst>
-      <p:ext uri="{BB962C8B-B14F-4D97-AF65-F5344CB8AC3E}">
-        <p14:creationId xmlns:p14="http://schemas.microsoft.com/office/powerpoint/2010/main" val="657039694"/>
-      </p:ext>
-    </p:extLst>
-  </p:cSld>
-  <p:clrMapOvr>
-    <a:masterClrMapping/>
-  </p:clrMapOvr>
-</p:sld>
-</file>
-
 <file path=ppt/slides/slide4.xml><?xml version="1.0" encoding="utf-8"?>
 <p:sld xmlns:a="http://schemas.openxmlformats.org/drawingml/2006/main" xmlns:r="http://schemas.openxmlformats.org/officeDocument/2006/relationships" xmlns:p="http://schemas.openxmlformats.org/presentationml/2006/main">
   <p:cSld>
@@ -3418,6 +3484,312 @@
           <p:cNvPr id="2" name="標題 1">
             <a:extLst>
               <a:ext uri="{FF2B5EF4-FFF2-40B4-BE49-F238E27FC236}">
+                <a16:creationId xmlns:a16="http://schemas.microsoft.com/office/drawing/2014/main" id="{DF32CB77-0D16-4E0D-A93F-D55DCB6059D5}"/>
+              </a:ext>
+            </a:extLst>
+          </p:cNvPr>
+          <p:cNvSpPr>
+            <a:spLocks noGrp="1"/>
+          </p:cNvSpPr>
+          <p:nvPr>
+            <p:ph type="title"/>
+          </p:nvPr>
+        </p:nvSpPr>
+        <p:spPr/>
+        <p:txBody>
+          <a:bodyPr/>
+          <a:lstStyle/>
+          <a:p>
+            <a:r>
+              <a:rPr lang="en-US" altLang="zh-TW" dirty="0"/>
+              <a:t>Structure Diagram - Server</a:t>
+            </a:r>
+            <a:endParaRPr lang="zh-TW" altLang="en-US" dirty="0"/>
+          </a:p>
+        </p:txBody>
+      </p:sp>
+      <p:pic>
+        <p:nvPicPr>
+          <p:cNvPr id="16" name="圖片 15">
+            <a:extLst>
+              <a:ext uri="{FF2B5EF4-FFF2-40B4-BE49-F238E27FC236}">
+                <a16:creationId xmlns:a16="http://schemas.microsoft.com/office/drawing/2014/main" id="{71FED624-59B8-42C5-908F-955BC08F163D}"/>
+              </a:ext>
+            </a:extLst>
+          </p:cNvPr>
+          <p:cNvPicPr>
+            <a:picLocks noChangeAspect="1"/>
+          </p:cNvPicPr>
+          <p:nvPr/>
+        </p:nvPicPr>
+        <p:blipFill>
+          <a:blip r:embed="rId2">
+            <a:extLst>
+              <a:ext uri="{28A0092B-C50C-407E-A947-70E740481C1C}">
+                <a14:useLocalDpi xmlns:a14="http://schemas.microsoft.com/office/drawing/2010/main" val="0"/>
+              </a:ext>
+            </a:extLst>
+          </a:blip>
+          <a:stretch>
+            <a:fillRect/>
+          </a:stretch>
+        </p:blipFill>
+        <p:spPr>
+          <a:xfrm>
+            <a:off x="1251904" y="4281487"/>
+            <a:ext cx="1276350" cy="1343025"/>
+          </a:xfrm>
+          <a:prstGeom prst="rect">
+            <a:avLst/>
+          </a:prstGeom>
+        </p:spPr>
+      </p:pic>
+      <p:pic>
+        <p:nvPicPr>
+          <p:cNvPr id="6" name="內容版面配置區 5">
+            <a:extLst>
+              <a:ext uri="{FF2B5EF4-FFF2-40B4-BE49-F238E27FC236}">
+                <a16:creationId xmlns:a16="http://schemas.microsoft.com/office/drawing/2014/main" id="{0E8EF82B-C7F3-4D32-B04B-9A912CD2D879}"/>
+              </a:ext>
+            </a:extLst>
+          </p:cNvPr>
+          <p:cNvPicPr>
+            <a:picLocks noGrp="1" noChangeAspect="1"/>
+          </p:cNvPicPr>
+          <p:nvPr>
+            <p:ph idx="1"/>
+          </p:nvPr>
+        </p:nvPicPr>
+        <p:blipFill>
+          <a:blip r:embed="rId3">
+            <a:extLst>
+              <a:ext uri="{28A0092B-C50C-407E-A947-70E740481C1C}">
+                <a14:useLocalDpi xmlns:a14="http://schemas.microsoft.com/office/drawing/2010/main" val="0"/>
+              </a:ext>
+            </a:extLst>
+          </a:blip>
+          <a:stretch>
+            <a:fillRect/>
+          </a:stretch>
+        </p:blipFill>
+        <p:spPr>
+          <a:xfrm>
+            <a:off x="3334362" y="1690688"/>
+            <a:ext cx="5523276" cy="4020344"/>
+          </a:xfrm>
+        </p:spPr>
+      </p:pic>
+    </p:spTree>
+    <p:extLst>
+      <p:ext uri="{BB962C8B-B14F-4D97-AF65-F5344CB8AC3E}">
+        <p14:creationId xmlns:p14="http://schemas.microsoft.com/office/powerpoint/2010/main" val="2023872280"/>
+      </p:ext>
+    </p:extLst>
+  </p:cSld>
+  <p:clrMapOvr>
+    <a:masterClrMapping/>
+  </p:clrMapOvr>
+</p:sld>
+</file>
+
+<file path=ppt/slides/slide5.xml><?xml version="1.0" encoding="utf-8"?>
+<p:sld xmlns:a="http://schemas.openxmlformats.org/drawingml/2006/main" xmlns:r="http://schemas.openxmlformats.org/officeDocument/2006/relationships" xmlns:p="http://schemas.openxmlformats.org/presentationml/2006/main">
+  <p:cSld>
+    <p:spTree>
+      <p:nvGrpSpPr>
+        <p:cNvPr id="1" name=""/>
+        <p:cNvGrpSpPr/>
+        <p:nvPr/>
+      </p:nvGrpSpPr>
+      <p:grpSpPr>
+        <a:xfrm>
+          <a:off x="0" y="0"/>
+          <a:ext cx="0" cy="0"/>
+          <a:chOff x="0" y="0"/>
+          <a:chExt cx="0" cy="0"/>
+        </a:xfrm>
+      </p:grpSpPr>
+      <p:sp>
+        <p:nvSpPr>
+          <p:cNvPr id="2" name="標題 1">
+            <a:extLst>
+              <a:ext uri="{FF2B5EF4-FFF2-40B4-BE49-F238E27FC236}">
+                <a16:creationId xmlns:a16="http://schemas.microsoft.com/office/drawing/2014/main" id="{3DB228A1-328D-4C9D-9BFF-6C3D6EB7D251}"/>
+              </a:ext>
+            </a:extLst>
+          </p:cNvPr>
+          <p:cNvSpPr>
+            <a:spLocks noGrp="1"/>
+          </p:cNvSpPr>
+          <p:nvPr>
+            <p:ph type="title"/>
+          </p:nvPr>
+        </p:nvSpPr>
+        <p:spPr/>
+        <p:txBody>
+          <a:bodyPr/>
+          <a:lstStyle/>
+          <a:p>
+            <a:r>
+              <a:rPr lang="en-US" altLang="zh-TW" dirty="0"/>
+              <a:t>Used</a:t>
+            </a:r>
+            <a:endParaRPr lang="zh-TW" altLang="en-US" dirty="0"/>
+          </a:p>
+        </p:txBody>
+      </p:sp>
+      <p:sp>
+        <p:nvSpPr>
+          <p:cNvPr id="3" name="內容版面配置區 2">
+            <a:extLst>
+              <a:ext uri="{FF2B5EF4-FFF2-40B4-BE49-F238E27FC236}">
+                <a16:creationId xmlns:a16="http://schemas.microsoft.com/office/drawing/2014/main" id="{71EC71BD-014B-40AE-BAB1-643B737B7A7E}"/>
+              </a:ext>
+            </a:extLst>
+          </p:cNvPr>
+          <p:cNvSpPr>
+            <a:spLocks noGrp="1"/>
+          </p:cNvSpPr>
+          <p:nvPr>
+            <p:ph idx="1"/>
+          </p:nvPr>
+        </p:nvSpPr>
+        <p:spPr/>
+        <p:txBody>
+          <a:bodyPr/>
+          <a:lstStyle/>
+          <a:p>
+            <a:r>
+              <a:rPr lang="en-US" altLang="zh-TW" dirty="0" err="1"/>
+              <a:t>JFrame</a:t>
+            </a:r>
+            <a:r>
+              <a:rPr lang="en-US" altLang="zh-TW" dirty="0"/>
+              <a:t>, </a:t>
+            </a:r>
+            <a:r>
+              <a:rPr lang="en-US" altLang="zh-TW" dirty="0" err="1"/>
+              <a:t>Jpanel</a:t>
+            </a:r>
+            <a:r>
+              <a:rPr lang="en-US" altLang="zh-TW" dirty="0"/>
+              <a:t>, </a:t>
+            </a:r>
+            <a:r>
+              <a:rPr lang="en-US" altLang="zh-TW" dirty="0" err="1"/>
+              <a:t>keyListener</a:t>
+            </a:r>
+            <a:endParaRPr lang="en-US" altLang="zh-TW" dirty="0"/>
+          </a:p>
+          <a:p>
+            <a:r>
+              <a:rPr lang="en-US" altLang="zh-TW" dirty="0" err="1"/>
+              <a:t>Enum</a:t>
+            </a:r>
+            <a:r>
+              <a:rPr lang="en-US" altLang="zh-TW" dirty="0"/>
+              <a:t> -&gt;</a:t>
+            </a:r>
+            <a:r>
+              <a:rPr lang="zh-TW" altLang="en-US" dirty="0"/>
+              <a:t> </a:t>
+            </a:r>
+            <a:r>
+              <a:rPr lang="en-US" altLang="zh-TW" dirty="0" err="1"/>
+              <a:t>BallState</a:t>
+            </a:r>
+            <a:endParaRPr lang="en-US" altLang="zh-TW" dirty="0"/>
+          </a:p>
+          <a:p>
+            <a:pPr lvl="1"/>
+            <a:r>
+              <a:rPr lang="en-US" altLang="zh-TW" dirty="0"/>
+              <a:t>Walk, </a:t>
+            </a:r>
+            <a:r>
+              <a:rPr lang="en-US" altLang="zh-TW" dirty="0" err="1"/>
+              <a:t>HitBricks</a:t>
+            </a:r>
+            <a:r>
+              <a:rPr lang="en-US" altLang="zh-TW" dirty="0"/>
+              <a:t>, </a:t>
+            </a:r>
+            <a:r>
+              <a:rPr lang="en-US" altLang="zh-TW" dirty="0" err="1"/>
+              <a:t>HitPlank</a:t>
+            </a:r>
+            <a:endParaRPr lang="en-US" altLang="zh-TW" dirty="0"/>
+          </a:p>
+          <a:p>
+            <a:r>
+              <a:rPr lang="en-US" altLang="zh-TW" dirty="0"/>
+              <a:t>Timer -&gt; Ball</a:t>
+            </a:r>
+          </a:p>
+          <a:p>
+            <a:r>
+              <a:rPr lang="en-US" altLang="zh-TW" dirty="0"/>
+              <a:t>Thread -&gt; </a:t>
+            </a:r>
+            <a:r>
+              <a:rPr lang="en-US" altLang="zh-TW" dirty="0" err="1"/>
+              <a:t>HitBrickServer</a:t>
+            </a:r>
+            <a:r>
+              <a:rPr lang="en-US" altLang="zh-TW" dirty="0"/>
+              <a:t>, Connection</a:t>
+            </a:r>
+          </a:p>
+          <a:p>
+            <a:r>
+              <a:rPr lang="en-US" altLang="zh-TW" dirty="0"/>
+              <a:t>Socket</a:t>
+            </a:r>
+          </a:p>
+          <a:p>
+            <a:r>
+              <a:rPr lang="en-US" altLang="zh-TW" dirty="0"/>
+              <a:t>MongoDB + Robo3t</a:t>
+            </a:r>
+            <a:endParaRPr lang="zh-TW" altLang="en-US" dirty="0"/>
+          </a:p>
+        </p:txBody>
+      </p:sp>
+    </p:spTree>
+    <p:extLst>
+      <p:ext uri="{BB962C8B-B14F-4D97-AF65-F5344CB8AC3E}">
+        <p14:creationId xmlns:p14="http://schemas.microsoft.com/office/powerpoint/2010/main" val="657039694"/>
+      </p:ext>
+    </p:extLst>
+  </p:cSld>
+  <p:clrMapOvr>
+    <a:masterClrMapping/>
+  </p:clrMapOvr>
+</p:sld>
+</file>
+
+<file path=ppt/slides/slide6.xml><?xml version="1.0" encoding="utf-8"?>
+<p:sld xmlns:a="http://schemas.openxmlformats.org/drawingml/2006/main" xmlns:r="http://schemas.openxmlformats.org/officeDocument/2006/relationships" xmlns:p="http://schemas.openxmlformats.org/presentationml/2006/main">
+  <p:cSld>
+    <p:spTree>
+      <p:nvGrpSpPr>
+        <p:cNvPr id="1" name=""/>
+        <p:cNvGrpSpPr/>
+        <p:nvPr/>
+      </p:nvGrpSpPr>
+      <p:grpSpPr>
+        <a:xfrm>
+          <a:off x="0" y="0"/>
+          <a:ext cx="0" cy="0"/>
+          <a:chOff x="0" y="0"/>
+          <a:chExt cx="0" cy="0"/>
+        </a:xfrm>
+      </p:grpSpPr>
+      <p:sp>
+        <p:nvSpPr>
+          <p:cNvPr id="2" name="標題 1">
+            <a:extLst>
+              <a:ext uri="{FF2B5EF4-FFF2-40B4-BE49-F238E27FC236}">
                 <a16:creationId xmlns:a16="http://schemas.microsoft.com/office/drawing/2014/main" id="{A83B612E-05E8-467D-B0BE-E7D6194438CC}"/>
               </a:ext>
             </a:extLst>
@@ -3429,9 +3801,14 @@
             <p:ph type="ctrTitle"/>
           </p:nvPr>
         </p:nvSpPr>
-        <p:spPr/>
-        <p:txBody>
-          <a:bodyPr/>
+        <p:spPr>
+          <a:xfrm>
+            <a:off x="1524000" y="2235200"/>
+            <a:ext cx="9144000" cy="2387600"/>
+          </a:xfrm>
+        </p:spPr>
+        <p:txBody>
+          <a:bodyPr anchor="ctr"/>
           <a:lstStyle/>
           <a:p>
             <a:r>
